--- a/基于大数据的智慧网络运维平台_new.pptx
+++ b/基于大数据的智慧网络运维平台_new.pptx
@@ -806,20 +806,6 @@
         </c:scaling>
         <c:delete val="0"/>
         <c:axPos val="l"/>
-        <c:majorGridlines>
-          <c:spPr>
-            <a:ln w="9525" cap="flat" cmpd="sng" algn="ctr">
-              <a:solidFill>
-                <a:schemeClr val="tx1">
-                  <a:lumMod val="15000"/>
-                  <a:lumOff val="85000"/>
-                </a:schemeClr>
-              </a:solidFill>
-              <a:round/>
-            </a:ln>
-            <a:effectLst/>
-          </c:spPr>
-        </c:majorGridlines>
         <c:numFmt formatCode="0%" sourceLinked="1"/>
         <c:majorTickMark val="none"/>
         <c:minorTickMark val="none"/>
@@ -15368,7 +15354,7 @@
           <a:p>
             <a:fld id="{D9D6BDDE-6A1D-46F5-9C9B-6287E7532B69}" type="datetimeFigureOut">
               <a:rPr lang="zh-CN" altLang="en-US" smtClean="0"/>
-              <a:t>2018/1/3</a:t>
+              <a:t>2018/1/4</a:t>
             </a:fld>
             <a:endParaRPr lang="zh-CN" altLang="en-US"/>
           </a:p>
@@ -30050,15 +30036,7 @@
                   <a:schemeClr val="bg1"/>
                 </a:solidFill>
               </a:rPr>
-              <a:t>实现智慧</a:t>
-            </a:r>
-            <a:r>
-              <a:rPr lang="zh-CN" altLang="en-US" sz="2400" b="1" dirty="0" smtClean="0">
-                <a:solidFill>
-                  <a:schemeClr val="bg1"/>
-                </a:solidFill>
-              </a:rPr>
-              <a:t>运维</a:t>
+              <a:t>实现智慧运维</a:t>
             </a:r>
             <a:endParaRPr lang="zh-CN" altLang="en-US" sz="2400" b="1" dirty="0">
               <a:solidFill>
@@ -36775,42 +36753,6 @@
           </a:p>
         </p:txBody>
       </p:sp>
-      <p:sp>
-        <p:nvSpPr>
-          <p:cNvPr id="5" name="文本框 4"/>
-          <p:cNvSpPr txBox="1"/>
-          <p:nvPr/>
-        </p:nvSpPr>
-        <p:spPr>
-          <a:xfrm>
-            <a:off x="4517344" y="3019437"/>
-            <a:ext cx="3157311" cy="1077218"/>
-          </a:xfrm>
-          <a:prstGeom prst="rect">
-            <a:avLst/>
-          </a:prstGeom>
-          <a:noFill/>
-        </p:spPr>
-        <p:txBody>
-          <a:bodyPr wrap="square" rtlCol="0">
-            <a:spAutoFit/>
-          </a:bodyPr>
-          <a:lstStyle/>
-          <a:p>
-            <a:r>
-              <a:rPr lang="zh-CN" altLang="en-US" sz="3200" b="1" dirty="0" smtClean="0">
-                <a:latin typeface="微软雅黑" panose="020B0503020204020204" pitchFamily="34" charset="-122"/>
-                <a:ea typeface="微软雅黑" panose="020B0503020204020204" pitchFamily="34" charset="-122"/>
-              </a:rPr>
-              <a:t>此处需加对于网络全景图的方案</a:t>
-            </a:r>
-            <a:endParaRPr lang="zh-CN" altLang="en-US" sz="3200" b="1" dirty="0">
-              <a:latin typeface="微软雅黑" panose="020B0503020204020204" pitchFamily="34" charset="-122"/>
-              <a:ea typeface="微软雅黑" panose="020B0503020204020204" pitchFamily="34" charset="-122"/>
-            </a:endParaRPr>
-          </a:p>
-        </p:txBody>
-      </p:sp>
       <p:cxnSp>
         <p:nvCxnSpPr>
           <p:cNvPr id="6" name="直接连接符 5"/>
@@ -36894,6 +36836,83 @@
           <a:p>
             <a:pPr algn="ctr"/>
             <a:endParaRPr lang="zh-CN" altLang="en-US"/>
+          </a:p>
+        </p:txBody>
+      </p:sp>
+      <p:sp>
+        <p:nvSpPr>
+          <p:cNvPr id="7" name="文本框 6"/>
+          <p:cNvSpPr txBox="1"/>
+          <p:nvPr/>
+        </p:nvSpPr>
+        <p:spPr>
+          <a:xfrm>
+            <a:off x="624114" y="10310"/>
+            <a:ext cx="2385786" cy="584775"/>
+          </a:xfrm>
+          <a:prstGeom prst="rect">
+            <a:avLst/>
+          </a:prstGeom>
+          <a:noFill/>
+        </p:spPr>
+        <p:txBody>
+          <a:bodyPr wrap="square" rtlCol="0">
+            <a:spAutoFit/>
+          </a:bodyPr>
+          <a:lstStyle/>
+          <a:p>
+            <a:r>
+              <a:rPr lang="zh-CN" altLang="en-US" sz="3200" b="1" dirty="0" smtClean="0">
+                <a:latin typeface="微软雅黑" panose="020B0503020204020204" pitchFamily="34" charset="-122"/>
+                <a:ea typeface="微软雅黑" panose="020B0503020204020204" pitchFamily="34" charset="-122"/>
+              </a:rPr>
+              <a:t>网络全景图</a:t>
+            </a:r>
+            <a:endParaRPr lang="zh-CN" altLang="en-US" sz="3200" b="1" dirty="0">
+              <a:latin typeface="微软雅黑" panose="020B0503020204020204" pitchFamily="34" charset="-122"/>
+              <a:ea typeface="微软雅黑" panose="020B0503020204020204" pitchFamily="34" charset="-122"/>
+            </a:endParaRPr>
+          </a:p>
+        </p:txBody>
+      </p:sp>
+      <p:sp>
+        <p:nvSpPr>
+          <p:cNvPr id="2" name="文本框 1"/>
+          <p:cNvSpPr txBox="1"/>
+          <p:nvPr/>
+        </p:nvSpPr>
+        <p:spPr>
+          <a:xfrm>
+            <a:off x="704850" y="1447800"/>
+            <a:ext cx="5372100" cy="646331"/>
+          </a:xfrm>
+          <a:prstGeom prst="rect">
+            <a:avLst/>
+          </a:prstGeom>
+          <a:noFill/>
+        </p:spPr>
+        <p:txBody>
+          <a:bodyPr wrap="square" rtlCol="0">
+            <a:spAutoFit/>
+          </a:bodyPr>
+          <a:lstStyle/>
+          <a:p>
+            <a:pPr marL="285750" indent="-285750">
+              <a:buFont typeface="Arial" panose="020B0604020202020204" pitchFamily="34" charset="0"/>
+              <a:buChar char="•"/>
+            </a:pPr>
+            <a:endParaRPr lang="en-US" altLang="zh-CN" dirty="0" smtClean="0"/>
+          </a:p>
+          <a:p>
+            <a:pPr marL="285750" indent="-285750">
+              <a:buFont typeface="Arial" panose="020B0604020202020204" pitchFamily="34" charset="0"/>
+              <a:buChar char="•"/>
+            </a:pPr>
+            <a:r>
+              <a:rPr lang="zh-CN" altLang="en-US" dirty="0" smtClean="0"/>
+              <a:t>从非专业人员角度出发，全网情况展示快速直观</a:t>
+            </a:r>
+            <a:endParaRPr lang="en-US" altLang="zh-CN" dirty="0" smtClean="0"/>
           </a:p>
         </p:txBody>
       </p:sp>
@@ -37409,7 +37428,7 @@
         </p:nvSpPr>
         <p:spPr>
           <a:xfrm>
-            <a:off x="5941510" y="-46055"/>
+            <a:off x="5833486" y="147260"/>
             <a:ext cx="6402890" cy="1384995"/>
           </a:xfrm>
           <a:prstGeom prst="rect">
